--- a/logo_COVID_APP.pptx
+++ b/logo_COVID_APP.pptx
@@ -6,6 +6,7 @@
   </p:sldMasterIdLst>
   <p:sldIdLst>
     <p:sldId id="256" r:id="rId2"/>
+    <p:sldId id="257" r:id="rId3"/>
   </p:sldIdLst>
   <p:sldSz cx="12192000" cy="6858000"/>
   <p:notesSz cx="6858000" cy="9144000"/>
@@ -104,6 +105,11 @@
       </a:defRPr>
     </a:lvl9pPr>
   </p:defaultTextStyle>
+  <p:extLst>
+    <p:ext uri="{EFAFB233-063F-42B5-8137-9DF3F51BA10A}">
+      <p15:sldGuideLst xmlns:p15="http://schemas.microsoft.com/office/powerpoint/2012/main"/>
+    </p:ext>
+  </p:extLst>
 </p:presentation>
 </file>
 
@@ -256,7 +262,7 @@
           <a:p>
             <a:fld id="{8FCE1F2F-8411-4A9D-B40E-E93F03FB027A}" type="datetimeFigureOut">
               <a:rPr lang="en-GB" smtClean="0"/>
-              <a:t>04/03/2021</a:t>
+              <a:t>17/04/2021</a:t>
             </a:fld>
             <a:endParaRPr lang="en-GB"/>
           </a:p>
@@ -456,7 +462,7 @@
           <a:p>
             <a:fld id="{8FCE1F2F-8411-4A9D-B40E-E93F03FB027A}" type="datetimeFigureOut">
               <a:rPr lang="en-GB" smtClean="0"/>
-              <a:t>04/03/2021</a:t>
+              <a:t>17/04/2021</a:t>
             </a:fld>
             <a:endParaRPr lang="en-GB"/>
           </a:p>
@@ -666,7 +672,7 @@
           <a:p>
             <a:fld id="{8FCE1F2F-8411-4A9D-B40E-E93F03FB027A}" type="datetimeFigureOut">
               <a:rPr lang="en-GB" smtClean="0"/>
-              <a:t>04/03/2021</a:t>
+              <a:t>17/04/2021</a:t>
             </a:fld>
             <a:endParaRPr lang="en-GB"/>
           </a:p>
@@ -866,7 +872,7 @@
           <a:p>
             <a:fld id="{8FCE1F2F-8411-4A9D-B40E-E93F03FB027A}" type="datetimeFigureOut">
               <a:rPr lang="en-GB" smtClean="0"/>
-              <a:t>04/03/2021</a:t>
+              <a:t>17/04/2021</a:t>
             </a:fld>
             <a:endParaRPr lang="en-GB"/>
           </a:p>
@@ -1142,7 +1148,7 @@
           <a:p>
             <a:fld id="{8FCE1F2F-8411-4A9D-B40E-E93F03FB027A}" type="datetimeFigureOut">
               <a:rPr lang="en-GB" smtClean="0"/>
-              <a:t>04/03/2021</a:t>
+              <a:t>17/04/2021</a:t>
             </a:fld>
             <a:endParaRPr lang="en-GB"/>
           </a:p>
@@ -1410,7 +1416,7 @@
           <a:p>
             <a:fld id="{8FCE1F2F-8411-4A9D-B40E-E93F03FB027A}" type="datetimeFigureOut">
               <a:rPr lang="en-GB" smtClean="0"/>
-              <a:t>04/03/2021</a:t>
+              <a:t>17/04/2021</a:t>
             </a:fld>
             <a:endParaRPr lang="en-GB"/>
           </a:p>
@@ -1825,7 +1831,7 @@
           <a:p>
             <a:fld id="{8FCE1F2F-8411-4A9D-B40E-E93F03FB027A}" type="datetimeFigureOut">
               <a:rPr lang="en-GB" smtClean="0"/>
-              <a:t>04/03/2021</a:t>
+              <a:t>17/04/2021</a:t>
             </a:fld>
             <a:endParaRPr lang="en-GB"/>
           </a:p>
@@ -1967,7 +1973,7 @@
           <a:p>
             <a:fld id="{8FCE1F2F-8411-4A9D-B40E-E93F03FB027A}" type="datetimeFigureOut">
               <a:rPr lang="en-GB" smtClean="0"/>
-              <a:t>04/03/2021</a:t>
+              <a:t>17/04/2021</a:t>
             </a:fld>
             <a:endParaRPr lang="en-GB"/>
           </a:p>
@@ -2080,7 +2086,7 @@
           <a:p>
             <a:fld id="{8FCE1F2F-8411-4A9D-B40E-E93F03FB027A}" type="datetimeFigureOut">
               <a:rPr lang="en-GB" smtClean="0"/>
-              <a:t>04/03/2021</a:t>
+              <a:t>17/04/2021</a:t>
             </a:fld>
             <a:endParaRPr lang="en-GB"/>
           </a:p>
@@ -2393,7 +2399,7 @@
           <a:p>
             <a:fld id="{8FCE1F2F-8411-4A9D-B40E-E93F03FB027A}" type="datetimeFigureOut">
               <a:rPr lang="en-GB" smtClean="0"/>
-              <a:t>04/03/2021</a:t>
+              <a:t>17/04/2021</a:t>
             </a:fld>
             <a:endParaRPr lang="en-GB"/>
           </a:p>
@@ -2682,7 +2688,7 @@
           <a:p>
             <a:fld id="{8FCE1F2F-8411-4A9D-B40E-E93F03FB027A}" type="datetimeFigureOut">
               <a:rPr lang="en-GB" smtClean="0"/>
-              <a:t>04/03/2021</a:t>
+              <a:t>17/04/2021</a:t>
             </a:fld>
             <a:endParaRPr lang="en-GB"/>
           </a:p>
@@ -2925,7 +2931,7 @@
           <a:p>
             <a:fld id="{8FCE1F2F-8411-4A9D-B40E-E93F03FB027A}" type="datetimeFigureOut">
               <a:rPr lang="en-GB" smtClean="0"/>
-              <a:t>04/03/2021</a:t>
+              <a:t>17/04/2021</a:t>
             </a:fld>
             <a:endParaRPr lang="en-GB"/>
           </a:p>
@@ -3584,6 +3590,310 @@
 </p:sld>
 </file>
 
+<file path=ppt/slides/slide2.xml><?xml version="1.0" encoding="utf-8"?>
+<p:sld xmlns:a="http://schemas.openxmlformats.org/drawingml/2006/main" xmlns:r="http://schemas.openxmlformats.org/officeDocument/2006/relationships" xmlns:p="http://schemas.openxmlformats.org/presentationml/2006/main">
+  <p:cSld>
+    <p:spTree>
+      <p:nvGrpSpPr>
+        <p:cNvPr id="1" name=""/>
+        <p:cNvGrpSpPr/>
+        <p:nvPr/>
+      </p:nvGrpSpPr>
+      <p:grpSpPr>
+        <a:xfrm>
+          <a:off x="0" y="0"/>
+          <a:ext cx="0" cy="0"/>
+          <a:chOff x="0" y="0"/>
+          <a:chExt cx="0" cy="0"/>
+        </a:xfrm>
+      </p:grpSpPr>
+      <p:pic>
+        <p:nvPicPr>
+          <p:cNvPr id="1026" name="Picture 2" descr="COVID-19 (coronavirus). Actualización de recomendaciones para las personas  en mayor riesgo y sus familiares – EnR?|">
+            <a:extLst>
+              <a:ext uri="{FF2B5EF4-FFF2-40B4-BE49-F238E27FC236}">
+                <a16:creationId xmlns:a16="http://schemas.microsoft.com/office/drawing/2014/main" id="{BCE3FBC5-AE4A-4F24-8E56-C3485E19559C}"/>
+              </a:ext>
+            </a:extLst>
+          </p:cNvPr>
+          <p:cNvPicPr>
+            <a:picLocks noChangeAspect="1" noChangeArrowheads="1"/>
+          </p:cNvPicPr>
+          <p:nvPr/>
+        </p:nvPicPr>
+        <p:blipFill>
+          <a:blip r:embed="rId2">
+            <a:extLst>
+              <a:ext uri="{BEBA8EAE-BF5A-486C-A8C5-ECC9F3942E4B}">
+                <a14:imgProps xmlns:a14="http://schemas.microsoft.com/office/drawing/2010/main">
+                  <a14:imgLayer r:embed="rId3">
+                    <a14:imgEffect>
+                      <a14:backgroundRemoval t="3491" b="94251" l="6836" r="91016">
+                        <a14:foregroundMark x1="32227" y1="6776" x2="32227" y2="6776"/>
+                        <a14:foregroundMark x1="47266" y1="3491" x2="47266" y2="3491"/>
+                        <a14:foregroundMark x1="90234" y1="56674" x2="90234" y2="56674"/>
+                        <a14:foregroundMark x1="80859" y1="56468" x2="80859" y2="56468"/>
+                        <a14:foregroundMark x1="91016" y1="37782" x2="91016" y2="37782"/>
+                        <a14:foregroundMark x1="91016" y1="55852" x2="91016" y2="55852"/>
+                        <a14:foregroundMark x1="65625" y1="90760" x2="65625" y2="90760"/>
+                        <a14:foregroundMark x1="53711" y1="94251" x2="53711" y2="94251"/>
+                        <a14:foregroundMark x1="32813" y1="91581" x2="32813" y2="91581"/>
+                        <a14:foregroundMark x1="41211" y1="93224" x2="41211" y2="93224"/>
+                        <a14:foregroundMark x1="9180" y1="62628" x2="9180" y2="62628"/>
+                        <a14:foregroundMark x1="6836" y1="40452" x2="6836" y2="40452"/>
+                      </a14:backgroundRemoval>
+                    </a14:imgEffect>
+                  </a14:imgLayer>
+                </a14:imgProps>
+              </a:ext>
+              <a:ext uri="{28A0092B-C50C-407E-A947-70E740481C1C}">
+                <a14:useLocalDpi xmlns:a14="http://schemas.microsoft.com/office/drawing/2010/main" val="0"/>
+              </a:ext>
+            </a:extLst>
+          </a:blip>
+          <a:srcRect/>
+          <a:stretch>
+            <a:fillRect/>
+          </a:stretch>
+        </p:blipFill>
+        <p:spPr bwMode="auto">
+          <a:xfrm>
+            <a:off x="914275" y="3037319"/>
+            <a:ext cx="2829855" cy="2691677"/>
+          </a:xfrm>
+          <a:prstGeom prst="rect">
+            <a:avLst/>
+          </a:prstGeom>
+          <a:noFill/>
+          <a:extLst>
+            <a:ext uri="{909E8E84-426E-40DD-AFC4-6F175D3DCCD1}">
+              <a14:hiddenFill xmlns:a14="http://schemas.microsoft.com/office/drawing/2010/main">
+                <a:solidFill>
+                  <a:srgbClr val="FFFFFF"/>
+                </a:solidFill>
+              </a14:hiddenFill>
+            </a:ext>
+          </a:extLst>
+        </p:spPr>
+      </p:pic>
+      <p:pic>
+        <p:nvPicPr>
+          <p:cNvPr id="1028" name="Picture 4" descr="1-Million Cases of COVID-19 Worldwide">
+            <a:extLst>
+              <a:ext uri="{FF2B5EF4-FFF2-40B4-BE49-F238E27FC236}">
+                <a16:creationId xmlns:a16="http://schemas.microsoft.com/office/drawing/2014/main" id="{8C89D581-E1BE-4D4D-AE72-C0AFBA5B31E5}"/>
+              </a:ext>
+            </a:extLst>
+          </p:cNvPr>
+          <p:cNvPicPr>
+            <a:picLocks noChangeAspect="1" noChangeArrowheads="1"/>
+          </p:cNvPicPr>
+          <p:nvPr/>
+        </p:nvPicPr>
+        <p:blipFill rotWithShape="1">
+          <a:blip r:embed="rId4">
+            <a:extLst>
+              <a:ext uri="{BEBA8EAE-BF5A-486C-A8C5-ECC9F3942E4B}">
+                <a14:imgProps xmlns:a14="http://schemas.microsoft.com/office/drawing/2010/main">
+                  <a14:imgLayer r:embed="rId5">
+                    <a14:imgEffect>
+                      <a14:backgroundRemoval t="24607" b="86257" l="7424" r="94396">
+                        <a14:foregroundMark x1="7424" y1="33115" x2="12445" y2="32723"/>
+                        <a14:foregroundMark x1="12445" y1="32723" x2="16885" y2="34948"/>
+                        <a14:foregroundMark x1="16885" y1="34948" x2="21033" y2="51440"/>
+                        <a14:foregroundMark x1="36827" y1="29974" x2="37627" y2="26440"/>
+                        <a14:foregroundMark x1="28748" y1="24869" x2="28748" y2="24869"/>
+                        <a14:foregroundMark x1="30131" y1="31675" x2="30131" y2="31675"/>
+                        <a14:foregroundMark x1="33115" y1="65838" x2="32387" y2="73953"/>
+                        <a14:foregroundMark x1="32387" y1="73953" x2="31150" y2="66885"/>
+                        <a14:foregroundMark x1="28821" y1="58508" x2="28821" y2="58508"/>
+                        <a14:foregroundMark x1="25837" y1="56806" x2="25837" y2="56806"/>
+                        <a14:foregroundMark x1="83479" y1="73168" x2="84716" y2="74607"/>
+                        <a14:foregroundMark x1="85226" y1="65445" x2="85226" y2="65445"/>
+                        <a14:foregroundMark x1="74891" y1="63743" x2="74891" y2="63743"/>
+                        <a14:foregroundMark x1="77656" y1="62173" x2="77656" y2="62173"/>
+                        <a14:foregroundMark x1="84716" y1="45550" x2="84716" y2="45550"/>
+                        <a14:foregroundMark x1="85517" y1="42147" x2="85517" y2="42147"/>
+                        <a14:foregroundMark x1="90175" y1="36126" x2="90175" y2="36126"/>
+                        <a14:foregroundMark x1="76128" y1="56806" x2="76128" y2="56806"/>
+                        <a14:foregroundMark x1="78020" y1="63482" x2="78020" y2="63482"/>
+                        <a14:foregroundMark x1="78020" y1="63482" x2="78020" y2="63482"/>
+                        <a14:foregroundMark x1="55895" y1="74607" x2="53348" y2="67539"/>
+                        <a14:foregroundMark x1="53348" y1="67539" x2="53348" y2="65576"/>
+                        <a14:foregroundMark x1="60335" y1="72251" x2="60335" y2="72251"/>
+                        <a14:foregroundMark x1="47525" y1="37565" x2="47525" y2="37565"/>
+                        <a14:foregroundMark x1="46143" y1="37696" x2="46143" y2="37696"/>
+                        <a14:foregroundMark x1="52766" y1="26047" x2="52766" y2="26047"/>
+                        <a14:foregroundMark x1="94396" y1="81806" x2="94396" y2="81806"/>
+                        <a14:foregroundMark x1="93450" y1="82984" x2="93450" y2="82984"/>
+                        <a14:foregroundMark x1="87700" y1="65445" x2="87700" y2="65445"/>
+                        <a14:foregroundMark x1="77656" y1="66885" x2="77656" y2="66885"/>
+                        <a14:foregroundMark x1="84789" y1="45419" x2="84789" y2="45419"/>
+                        <a14:foregroundMark x1="84789" y1="45681" x2="84789" y2="45681"/>
+                        <a14:foregroundMark x1="54367" y1="33639" x2="54367" y2="33639"/>
+                        <a14:foregroundMark x1="58661" y1="36780" x2="65866" y2="36518"/>
+                        <a14:foregroundMark x1="65866" y1="36518" x2="72198" y2="37304"/>
+                        <a14:foregroundMark x1="67394" y1="44895" x2="71907" y2="38743"/>
+                        <a14:foregroundMark x1="31004" y1="70157" x2="31004" y2="70157"/>
+                        <a14:foregroundMark x1="22344" y1="28665" x2="22344" y2="28665"/>
+                        <a14:foregroundMark x1="26492" y1="29058" x2="26492" y2="29058"/>
+                        <a14:foregroundMark x1="60262" y1="56021" x2="60262" y2="56021"/>
+                        <a14:foregroundMark x1="52838" y1="40183" x2="54440" y2="37435"/>
+                        <a14:foregroundMark x1="55022" y1="39398" x2="52766" y2="41623"/>
+                        <a14:foregroundMark x1="57424" y1="42670" x2="63173" y2="39791"/>
+                        <a14:foregroundMark x1="63173" y1="39791" x2="74309" y2="40445"/>
+                        <a14:foregroundMark x1="74309" y1="40445" x2="74527" y2="40314"/>
+                        <a14:foregroundMark x1="62518" y1="29188" x2="62518" y2="29188"/>
+                        <a14:foregroundMark x1="86245" y1="78927" x2="85953" y2="75524"/>
+                        <a14:foregroundMark x1="94323" y1="81806" x2="94323" y2="81806"/>
+                        <a14:foregroundMark x1="43304" y1="32199" x2="43304" y2="32199"/>
+                        <a14:backgroundMark x1="58588" y1="53927" x2="58588" y2="53927"/>
+                        <a14:backgroundMark x1="69141" y1="74738" x2="65211" y2="83508"/>
+                        <a14:backgroundMark x1="65211" y1="83508" x2="59607" y2="87435"/>
+                        <a14:backgroundMark x1="59607" y1="87435" x2="48326" y2="86911"/>
+                        <a14:backgroundMark x1="48326" y1="86911" x2="44614" y2="81152"/>
+                        <a14:backgroundMark x1="44614" y1="81152" x2="44614" y2="80890"/>
+                        <a14:backgroundMark x1="39447" y1="43848" x2="37918" y2="52618"/>
+                        <a14:backgroundMark x1="37918" y1="52618" x2="43013" y2="67016"/>
+                        <a14:backgroundMark x1="43013" y1="67016" x2="43523" y2="78141"/>
+                        <a14:backgroundMark x1="43523" y1="78141" x2="41994" y2="86126"/>
+                        <a14:backgroundMark x1="41994" y1="86126" x2="37191" y2="91492"/>
+                        <a14:backgroundMark x1="37191" y1="91492" x2="34571" y2="92277"/>
+                        <a14:backgroundMark x1="19651" y1="88220" x2="16376" y2="64921"/>
+                        <a14:backgroundMark x1="16376" y1="64921" x2="11499" y2="47251"/>
+                        <a14:backgroundMark x1="11499" y1="47251" x2="7132" y2="41754"/>
+                        <a14:backgroundMark x1="7132" y1="41754" x2="4949" y2="42147"/>
+                        <a14:backgroundMark x1="7278" y1="26309" x2="11426" y2="25393"/>
+                        <a14:backgroundMark x1="93450" y1="45026" x2="88646" y2="53665"/>
+                        <a14:backgroundMark x1="88646" y1="53665" x2="89884" y2="62304"/>
+                        <a14:backgroundMark x1="89884" y1="62304" x2="92067" y2="62435"/>
+                        <a14:backgroundMark x1="95633" y1="86518" x2="89811" y2="91230"/>
+                        <a14:backgroundMark x1="89811" y1="91230" x2="84061" y2="89791"/>
+                        <a14:backgroundMark x1="84061" y1="89791" x2="74745" y2="79058"/>
+                        <a14:backgroundMark x1="74745" y1="79058" x2="67831" y2="76963"/>
+                        <a14:backgroundMark x1="67831" y1="76963" x2="62737" y2="79319"/>
+                        <a14:backgroundMark x1="62737" y1="79319" x2="57496" y2="85079"/>
+                        <a14:backgroundMark x1="43159" y1="82853" x2="44105" y2="72120"/>
+                        <a14:backgroundMark x1="44105" y1="72120" x2="43013" y2="61780"/>
+                        <a14:backgroundMark x1="43013" y1="61780" x2="37773" y2="45681"/>
+                        <a14:backgroundMark x1="37773" y1="45681" x2="40684" y2="37958"/>
+                      </a14:backgroundRemoval>
+                    </a14:imgEffect>
+                  </a14:imgLayer>
+                </a14:imgProps>
+              </a:ext>
+              <a:ext uri="{28A0092B-C50C-407E-A947-70E740481C1C}">
+                <a14:useLocalDpi xmlns:a14="http://schemas.microsoft.com/office/drawing/2010/main" val="0"/>
+              </a:ext>
+            </a:extLst>
+          </a:blip>
+          <a:srcRect l="-1" t="21559" r="2133" b="6024"/>
+          <a:stretch/>
+        </p:blipFill>
+        <p:spPr bwMode="auto">
+          <a:xfrm>
+            <a:off x="1642493" y="1856720"/>
+            <a:ext cx="10299819" cy="4237401"/>
+          </a:xfrm>
+          <a:prstGeom prst="rect">
+            <a:avLst/>
+          </a:prstGeom>
+          <a:noFill/>
+          <a:extLst>
+            <a:ext uri="{909E8E84-426E-40DD-AFC4-6F175D3DCCD1}">
+              <a14:hiddenFill xmlns:a14="http://schemas.microsoft.com/office/drawing/2010/main">
+                <a:solidFill>
+                  <a:srgbClr val="FFFFFF"/>
+                </a:solidFill>
+              </a14:hiddenFill>
+            </a:ext>
+          </a:extLst>
+        </p:spPr>
+      </p:pic>
+      <p:sp>
+        <p:nvSpPr>
+          <p:cNvPr id="4" name="TextBox 3">
+            <a:extLst>
+              <a:ext uri="{FF2B5EF4-FFF2-40B4-BE49-F238E27FC236}">
+                <a16:creationId xmlns:a16="http://schemas.microsoft.com/office/drawing/2014/main" id="{FD9568E0-DD3A-46AA-9314-39A9B34598CC}"/>
+              </a:ext>
+            </a:extLst>
+          </p:cNvPr>
+          <p:cNvSpPr txBox="1"/>
+          <p:nvPr/>
+        </p:nvSpPr>
+        <p:spPr>
+          <a:xfrm>
+            <a:off x="249688" y="661655"/>
+            <a:ext cx="11692624" cy="1015663"/>
+          </a:xfrm>
+          <a:prstGeom prst="rect">
+            <a:avLst/>
+          </a:prstGeom>
+          <a:noFill/>
+        </p:spPr>
+        <p:txBody>
+          <a:bodyPr wrap="square" rtlCol="0">
+            <a:spAutoFit/>
+          </a:bodyPr>
+          <a:lstStyle/>
+          <a:p>
+            <a:pPr marL="0" marR="0" lvl="0" indent="0" algn="l" defTabSz="914400" rtl="0" eaLnBrk="1" fontAlgn="auto" latinLnBrk="0" hangingPunct="1">
+              <a:lnSpc>
+                <a:spcPct val="100000"/>
+              </a:lnSpc>
+              <a:spcBef>
+                <a:spcPts val="0"/>
+              </a:spcBef>
+              <a:spcAft>
+                <a:spcPts val="0"/>
+              </a:spcAft>
+              <a:buClrTx/>
+              <a:buSzTx/>
+              <a:buFontTx/>
+              <a:buNone/>
+              <a:tabLst/>
+              <a:defRPr/>
+            </a:pPr>
+            <a:r>
+              <a:rPr kumimoji="0" lang="en-GB" sz="6000" b="0" i="0" u="none" strike="noStrike" kern="1200" cap="none" spc="0" normalizeH="0" baseline="0" noProof="0">
+                <a:ln>
+                  <a:noFill/>
+                </a:ln>
+                <a:solidFill>
+                  <a:srgbClr val="8A0000"/>
+                </a:solidFill>
+                <a:effectLst>
+                  <a:outerShdw blurRad="38100" dist="38100" dir="2700000" algn="tl">
+                    <a:srgbClr val="000000">
+                      <a:alpha val="43137"/>
+                    </a:srgbClr>
+                  </a:outerShdw>
+                </a:effectLst>
+                <a:uLnTx/>
+                <a:uFillTx/>
+                <a:latin typeface="Bahnschrift SemiBold" panose="020B0502040204020203" pitchFamily="34" charset="0"/>
+                <a:ea typeface="+mn-ea"/>
+                <a:cs typeface="Bold Italic Art" panose="02010400000000000000" pitchFamily="2" charset="-78"/>
+              </a:rPr>
+              <a:t>COVID EXPLORATORY DATA TOOL</a:t>
+            </a:r>
+          </a:p>
+        </p:txBody>
+      </p:sp>
+    </p:spTree>
+    <p:extLst>
+      <p:ext uri="{BB962C8B-B14F-4D97-AF65-F5344CB8AC3E}">
+        <p14:creationId xmlns:p14="http://schemas.microsoft.com/office/powerpoint/2010/main" val="3175005838"/>
+      </p:ext>
+    </p:extLst>
+  </p:cSld>
+  <p:clrMapOvr>
+    <a:masterClrMapping/>
+  </p:clrMapOvr>
+</p:sld>
+</file>
+
 <file path=ppt/theme/theme1.xml><?xml version="1.0" encoding="utf-8"?>
 <a:theme xmlns:a="http://schemas.openxmlformats.org/drawingml/2006/main" name="Office Theme">
   <a:themeElements>
